--- a/JoM/プレゼンテーション1.pptx
+++ b/JoM/プレゼンテーション1.pptx
@@ -243,7 +243,7 @@
           <a:p>
             <a:fld id="{97918747-4FBA-41C8-ACB2-3E886F4DB927}" type="datetimeFigureOut">
               <a:rPr kumimoji="1" lang="ja-JP" altLang="en-US" smtClean="0"/>
-              <a:t>2023/6/20</a:t>
+              <a:t>2023/6/21</a:t>
             </a:fld>
             <a:endParaRPr kumimoji="1" lang="ja-JP" altLang="en-US"/>
           </a:p>
@@ -445,7 +445,7 @@
           <a:p>
             <a:fld id="{97918747-4FBA-41C8-ACB2-3E886F4DB927}" type="datetimeFigureOut">
               <a:rPr kumimoji="1" lang="ja-JP" altLang="en-US" smtClean="0"/>
-              <a:t>2023/6/20</a:t>
+              <a:t>2023/6/21</a:t>
             </a:fld>
             <a:endParaRPr kumimoji="1" lang="ja-JP" altLang="en-US"/>
           </a:p>
@@ -657,7 +657,7 @@
           <a:p>
             <a:fld id="{97918747-4FBA-41C8-ACB2-3E886F4DB927}" type="datetimeFigureOut">
               <a:rPr kumimoji="1" lang="ja-JP" altLang="en-US" smtClean="0"/>
-              <a:t>2023/6/20</a:t>
+              <a:t>2023/6/21</a:t>
             </a:fld>
             <a:endParaRPr kumimoji="1" lang="ja-JP" altLang="en-US"/>
           </a:p>
@@ -859,7 +859,7 @@
           <a:p>
             <a:fld id="{97918747-4FBA-41C8-ACB2-3E886F4DB927}" type="datetimeFigureOut">
               <a:rPr kumimoji="1" lang="ja-JP" altLang="en-US" smtClean="0"/>
-              <a:t>2023/6/20</a:t>
+              <a:t>2023/6/21</a:t>
             </a:fld>
             <a:endParaRPr kumimoji="1" lang="ja-JP" altLang="en-US"/>
           </a:p>
@@ -1105,7 +1105,7 @@
           <a:p>
             <a:fld id="{97918747-4FBA-41C8-ACB2-3E886F4DB927}" type="datetimeFigureOut">
               <a:rPr kumimoji="1" lang="ja-JP" altLang="en-US" smtClean="0"/>
-              <a:t>2023/6/20</a:t>
+              <a:t>2023/6/21</a:t>
             </a:fld>
             <a:endParaRPr kumimoji="1" lang="ja-JP" altLang="en-US"/>
           </a:p>
@@ -1401,7 +1401,7 @@
           <a:p>
             <a:fld id="{97918747-4FBA-41C8-ACB2-3E886F4DB927}" type="datetimeFigureOut">
               <a:rPr kumimoji="1" lang="ja-JP" altLang="en-US" smtClean="0"/>
-              <a:t>2023/6/20</a:t>
+              <a:t>2023/6/21</a:t>
             </a:fld>
             <a:endParaRPr kumimoji="1" lang="ja-JP" altLang="en-US"/>
           </a:p>
@@ -1832,7 +1832,7 @@
           <a:p>
             <a:fld id="{97918747-4FBA-41C8-ACB2-3E886F4DB927}" type="datetimeFigureOut">
               <a:rPr kumimoji="1" lang="ja-JP" altLang="en-US" smtClean="0"/>
-              <a:t>2023/6/20</a:t>
+              <a:t>2023/6/21</a:t>
             </a:fld>
             <a:endParaRPr kumimoji="1" lang="ja-JP" altLang="en-US"/>
           </a:p>
@@ -1950,7 +1950,7 @@
           <a:p>
             <a:fld id="{97918747-4FBA-41C8-ACB2-3E886F4DB927}" type="datetimeFigureOut">
               <a:rPr kumimoji="1" lang="ja-JP" altLang="en-US" smtClean="0"/>
-              <a:t>2023/6/20</a:t>
+              <a:t>2023/6/21</a:t>
             </a:fld>
             <a:endParaRPr kumimoji="1" lang="ja-JP" altLang="en-US"/>
           </a:p>
@@ -2045,7 +2045,7 @@
           <a:p>
             <a:fld id="{97918747-4FBA-41C8-ACB2-3E886F4DB927}" type="datetimeFigureOut">
               <a:rPr kumimoji="1" lang="ja-JP" altLang="en-US" smtClean="0"/>
-              <a:t>2023/6/20</a:t>
+              <a:t>2023/6/21</a:t>
             </a:fld>
             <a:endParaRPr kumimoji="1" lang="ja-JP" altLang="en-US"/>
           </a:p>
@@ -2354,7 +2354,7 @@
           <a:p>
             <a:fld id="{97918747-4FBA-41C8-ACB2-3E886F4DB927}" type="datetimeFigureOut">
               <a:rPr kumimoji="1" lang="ja-JP" altLang="en-US" smtClean="0"/>
-              <a:t>2023/6/20</a:t>
+              <a:t>2023/6/21</a:t>
             </a:fld>
             <a:endParaRPr kumimoji="1" lang="ja-JP" altLang="en-US"/>
           </a:p>
@@ -2607,7 +2607,7 @@
           <a:p>
             <a:fld id="{97918747-4FBA-41C8-ACB2-3E886F4DB927}" type="datetimeFigureOut">
               <a:rPr kumimoji="1" lang="ja-JP" altLang="en-US" smtClean="0"/>
-              <a:t>2023/6/20</a:t>
+              <a:t>2023/6/21</a:t>
             </a:fld>
             <a:endParaRPr kumimoji="1" lang="ja-JP" altLang="en-US"/>
           </a:p>
@@ -2852,7 +2852,7 @@
           <a:p>
             <a:fld id="{97918747-4FBA-41C8-ACB2-3E886F4DB927}" type="datetimeFigureOut">
               <a:rPr kumimoji="1" lang="ja-JP" altLang="en-US" smtClean="0"/>
-              <a:t>2023/6/20</a:t>
+              <a:t>2023/6/21</a:t>
             </a:fld>
             <a:endParaRPr kumimoji="1" lang="ja-JP" altLang="en-US"/>
           </a:p>
@@ -3772,7 +3772,7 @@
           </a:prstGeom>
           <a:solidFill>
             <a:schemeClr val="accent1">
-              <a:lumMod val="75000"/>
+              <a:lumMod val="50000"/>
             </a:schemeClr>
           </a:solidFill>
           <a:ln w="28575">
@@ -3869,6 +3869,52 @@
             <a:solidFill>
               <a:srgbClr val="FF0000"/>
             </a:solidFill>
+          </a:ln>
+        </p:spPr>
+        <p:style>
+          <a:lnRef idx="2">
+            <a:schemeClr val="accent1">
+              <a:shade val="50000"/>
+            </a:schemeClr>
+          </a:lnRef>
+          <a:fillRef idx="1">
+            <a:schemeClr val="accent1"/>
+          </a:fillRef>
+          <a:effectRef idx="0">
+            <a:schemeClr val="accent1"/>
+          </a:effectRef>
+          <a:fontRef idx="minor">
+            <a:schemeClr val="lt1"/>
+          </a:fontRef>
+        </p:style>
+        <p:txBody>
+          <a:bodyPr rtlCol="0" anchor="ctr"/>
+          <a:lstStyle/>
+          <a:p>
+            <a:pPr algn="ctr"/>
+            <a:endParaRPr kumimoji="1" lang="ja-JP" altLang="en-US"/>
+          </a:p>
+        </p:txBody>
+      </p:sp>
+      <p:sp>
+        <p:nvSpPr>
+          <p:cNvPr id="16" name="六角形 15"/>
+          <p:cNvSpPr/>
+          <p:nvPr/>
+        </p:nvSpPr>
+        <p:spPr>
+          <a:xfrm rot="5400000">
+            <a:off x="6946349" y="1532853"/>
+            <a:ext cx="1143000" cy="985345"/>
+          </a:xfrm>
+          <a:prstGeom prst="hexagon">
+            <a:avLst/>
+          </a:prstGeom>
+          <a:solidFill>
+            <a:srgbClr val="FFFFFF"/>
+          </a:solidFill>
+          <a:ln w="28575">
+            <a:noFill/>
           </a:ln>
         </p:spPr>
         <p:style>
